--- a/RestArea/수현 민주.pptx
+++ b/RestArea/수현 민주.pptx
@@ -108,6 +108,11 @@
       </a:defRPr>
     </a:lvl9pPr>
   </p:defaultTextStyle>
+  <p:extLst>
+    <p:ext uri="{EFAFB233-063F-42B5-8137-9DF3F51BA10A}">
+      <p15:sldGuideLst xmlns:p15="http://schemas.microsoft.com/office/powerpoint/2012/main"/>
+    </p:ext>
+  </p:extLst>
 </p:presentation>
 </file>
 
@@ -258,7 +263,7 @@
           <a:p>
             <a:fld id="{D51F59AD-288F-4121-8883-1664C7196BCF}" type="datetimeFigureOut">
               <a:rPr lang="ko-KR" altLang="en-US" smtClean="0"/>
-              <a:t>2019-05-05</a:t>
+              <a:t>2019-05-13</a:t>
             </a:fld>
             <a:endParaRPr lang="ko-KR" altLang="en-US"/>
           </a:p>
@@ -456,7 +461,7 @@
           <a:p>
             <a:fld id="{D51F59AD-288F-4121-8883-1664C7196BCF}" type="datetimeFigureOut">
               <a:rPr lang="ko-KR" altLang="en-US" smtClean="0"/>
-              <a:t>2019-05-05</a:t>
+              <a:t>2019-05-13</a:t>
             </a:fld>
             <a:endParaRPr lang="ko-KR" altLang="en-US"/>
           </a:p>
@@ -664,7 +669,7 @@
           <a:p>
             <a:fld id="{D51F59AD-288F-4121-8883-1664C7196BCF}" type="datetimeFigureOut">
               <a:rPr lang="ko-KR" altLang="en-US" smtClean="0"/>
-              <a:t>2019-05-05</a:t>
+              <a:t>2019-05-13</a:t>
             </a:fld>
             <a:endParaRPr lang="ko-KR" altLang="en-US"/>
           </a:p>
@@ -862,7 +867,7 @@
           <a:p>
             <a:fld id="{D51F59AD-288F-4121-8883-1664C7196BCF}" type="datetimeFigureOut">
               <a:rPr lang="ko-KR" altLang="en-US" smtClean="0"/>
-              <a:t>2019-05-05</a:t>
+              <a:t>2019-05-13</a:t>
             </a:fld>
             <a:endParaRPr lang="ko-KR" altLang="en-US"/>
           </a:p>
@@ -1137,7 +1142,7 @@
           <a:p>
             <a:fld id="{D51F59AD-288F-4121-8883-1664C7196BCF}" type="datetimeFigureOut">
               <a:rPr lang="ko-KR" altLang="en-US" smtClean="0"/>
-              <a:t>2019-05-05</a:t>
+              <a:t>2019-05-13</a:t>
             </a:fld>
             <a:endParaRPr lang="ko-KR" altLang="en-US"/>
           </a:p>
@@ -1402,7 +1407,7 @@
           <a:p>
             <a:fld id="{D51F59AD-288F-4121-8883-1664C7196BCF}" type="datetimeFigureOut">
               <a:rPr lang="ko-KR" altLang="en-US" smtClean="0"/>
-              <a:t>2019-05-05</a:t>
+              <a:t>2019-05-13</a:t>
             </a:fld>
             <a:endParaRPr lang="ko-KR" altLang="en-US"/>
           </a:p>
@@ -1814,7 +1819,7 @@
           <a:p>
             <a:fld id="{D51F59AD-288F-4121-8883-1664C7196BCF}" type="datetimeFigureOut">
               <a:rPr lang="ko-KR" altLang="en-US" smtClean="0"/>
-              <a:t>2019-05-05</a:t>
+              <a:t>2019-05-13</a:t>
             </a:fld>
             <a:endParaRPr lang="ko-KR" altLang="en-US"/>
           </a:p>
@@ -1955,7 +1960,7 @@
           <a:p>
             <a:fld id="{D51F59AD-288F-4121-8883-1664C7196BCF}" type="datetimeFigureOut">
               <a:rPr lang="ko-KR" altLang="en-US" smtClean="0"/>
-              <a:t>2019-05-05</a:t>
+              <a:t>2019-05-13</a:t>
             </a:fld>
             <a:endParaRPr lang="ko-KR" altLang="en-US"/>
           </a:p>
@@ -2068,7 +2073,7 @@
           <a:p>
             <a:fld id="{D51F59AD-288F-4121-8883-1664C7196BCF}" type="datetimeFigureOut">
               <a:rPr lang="ko-KR" altLang="en-US" smtClean="0"/>
-              <a:t>2019-05-05</a:t>
+              <a:t>2019-05-13</a:t>
             </a:fld>
             <a:endParaRPr lang="ko-KR" altLang="en-US"/>
           </a:p>
@@ -2379,7 +2384,7 @@
           <a:p>
             <a:fld id="{D51F59AD-288F-4121-8883-1664C7196BCF}" type="datetimeFigureOut">
               <a:rPr lang="ko-KR" altLang="en-US" smtClean="0"/>
-              <a:t>2019-05-05</a:t>
+              <a:t>2019-05-13</a:t>
             </a:fld>
             <a:endParaRPr lang="ko-KR" altLang="en-US"/>
           </a:p>
@@ -2667,7 +2672,7 @@
           <a:p>
             <a:fld id="{D51F59AD-288F-4121-8883-1664C7196BCF}" type="datetimeFigureOut">
               <a:rPr lang="ko-KR" altLang="en-US" smtClean="0"/>
-              <a:t>2019-05-05</a:t>
+              <a:t>2019-05-13</a:t>
             </a:fld>
             <a:endParaRPr lang="ko-KR" altLang="en-US"/>
           </a:p>
@@ -2908,7 +2913,7 @@
           <a:p>
             <a:fld id="{D51F59AD-288F-4121-8883-1664C7196BCF}" type="datetimeFigureOut">
               <a:rPr lang="ko-KR" altLang="en-US" smtClean="0"/>
-              <a:t>2019-05-05</a:t>
+              <a:t>2019-05-13</a:t>
             </a:fld>
             <a:endParaRPr lang="ko-KR" altLang="en-US"/>
           </a:p>
@@ -3426,6 +3431,41 @@
           </a:p>
         </p:txBody>
       </p:sp>
+      <p:pic>
+        <p:nvPicPr>
+          <p:cNvPr id="4" name="그림 3">
+            <a:extLst>
+              <a:ext uri="{FF2B5EF4-FFF2-40B4-BE49-F238E27FC236}">
+                <a16:creationId xmlns:a16="http://schemas.microsoft.com/office/drawing/2014/main" id="{828B535A-69A0-475F-A9D4-0AC395ADCC39}"/>
+              </a:ext>
+            </a:extLst>
+          </p:cNvPr>
+          <p:cNvPicPr>
+            <a:picLocks noChangeAspect="1"/>
+          </p:cNvPicPr>
+          <p:nvPr/>
+        </p:nvPicPr>
+        <p:blipFill rotWithShape="1">
+          <a:blip r:embed="rId2">
+            <a:extLst>
+              <a:ext uri="{28A0092B-C50C-407E-A947-70E740481C1C}">
+                <a14:useLocalDpi xmlns:a14="http://schemas.microsoft.com/office/drawing/2010/main" val="0"/>
+              </a:ext>
+            </a:extLst>
+          </a:blip>
+          <a:srcRect l="24708" t="32764" r="24107" b="34768"/>
+          <a:stretch/>
+        </p:blipFill>
+        <p:spPr>
+          <a:xfrm>
+            <a:off x="2734811" y="1492409"/>
+            <a:ext cx="7138029" cy="4527712"/>
+          </a:xfrm>
+          <a:prstGeom prst="rect">
+            <a:avLst/>
+          </a:prstGeom>
+        </p:spPr>
+      </p:pic>
     </p:spTree>
     <p:extLst>
       <p:ext uri="{BB962C8B-B14F-4D97-AF65-F5344CB8AC3E}">
@@ -3739,7 +3779,7 @@
           <p:nvPr/>
         </p:nvPicPr>
         <p:blipFill>
-          <a:blip r:embed="rId2"/>
+          <a:blip r:embed="rId3"/>
           <a:stretch>
             <a:fillRect/>
           </a:stretch>
@@ -3940,7 +3980,7 @@
           <p:nvPr/>
         </p:nvPicPr>
         <p:blipFill>
-          <a:blip r:embed="rId3"/>
+          <a:blip r:embed="rId4"/>
           <a:stretch>
             <a:fillRect/>
           </a:stretch>
@@ -4064,7 +4104,7 @@
           <p:nvPr/>
         </p:nvPicPr>
         <p:blipFill>
-          <a:blip r:embed="rId4"/>
+          <a:blip r:embed="rId5"/>
           <a:stretch>
             <a:fillRect/>
           </a:stretch>
@@ -4240,7 +4280,7 @@
           <p:nvPr/>
         </p:nvPicPr>
         <p:blipFill>
-          <a:blip r:embed="rId5"/>
+          <a:blip r:embed="rId6"/>
           <a:stretch>
             <a:fillRect/>
           </a:stretch>
@@ -4402,7 +4442,7 @@
           <p:nvPr/>
         </p:nvPicPr>
         <p:blipFill>
-          <a:blip r:embed="rId6"/>
+          <a:blip r:embed="rId7"/>
           <a:stretch>
             <a:fillRect/>
           </a:stretch>
@@ -4552,6 +4592,9 @@
         </p:txBody>
       </p:sp>
     </p:spTree>
+    <p:custDataLst>
+      <p:tags r:id="rId1"/>
+    </p:custDataLst>
     <p:extLst>
       <p:ext uri="{BB962C8B-B14F-4D97-AF65-F5344CB8AC3E}">
         <p14:creationId xmlns:p14="http://schemas.microsoft.com/office/powerpoint/2010/main" val="1436693592"/>
@@ -6346,7 +6389,7 @@
           <p:nvPr/>
         </p:nvPicPr>
         <p:blipFill rotWithShape="1">
-          <a:blip r:embed="rId2">
+          <a:blip r:embed="rId3">
             <a:extLst>
               <a:ext uri="{28A0092B-C50C-407E-A947-70E740481C1C}">
                 <a14:useLocalDpi xmlns:a14="http://schemas.microsoft.com/office/drawing/2010/main" val="0"/>
@@ -6358,7 +6401,7 @@
         </p:blipFill>
         <p:spPr bwMode="auto">
           <a:xfrm>
-            <a:off x="3451625" y="1308025"/>
+            <a:off x="3334748" y="1327325"/>
             <a:ext cx="1005163" cy="733045"/>
           </a:xfrm>
           <a:prstGeom prst="rect">
@@ -6530,7 +6573,7 @@
           <p:nvPr/>
         </p:nvPicPr>
         <p:blipFill rotWithShape="1">
-          <a:blip r:embed="rId3">
+          <a:blip r:embed="rId4">
             <a:extLst>
               <a:ext uri="{28A0092B-C50C-407E-A947-70E740481C1C}">
                 <a14:useLocalDpi xmlns:a14="http://schemas.microsoft.com/office/drawing/2010/main" val="0"/>
@@ -7551,6 +7594,9 @@
         </p:txBody>
       </p:sp>
     </p:spTree>
+    <p:custDataLst>
+      <p:tags r:id="rId1"/>
+    </p:custDataLst>
     <p:extLst>
       <p:ext uri="{BB962C8B-B14F-4D97-AF65-F5344CB8AC3E}">
         <p14:creationId xmlns:p14="http://schemas.microsoft.com/office/powerpoint/2010/main" val="2770827970"/>
@@ -8479,7 +8525,7 @@
           <p:nvPr>
             <p:extLst>
               <p:ext uri="{D42A27DB-BD31-4B8C-83A1-F6EECF244321}">
-                <p14:modId xmlns:p14="http://schemas.microsoft.com/office/powerpoint/2010/main" val="2338038181"/>
+                <p14:modId xmlns:p14="http://schemas.microsoft.com/office/powerpoint/2010/main" val="1330424445"/>
               </p:ext>
             </p:extLst>
           </p:nvPr>
@@ -9349,26 +9395,15 @@
                           <a:latin typeface="12롯데마트행복Bold" panose="02020603020101020101" pitchFamily="18" charset="-127"/>
                           <a:ea typeface="12롯데마트행복Bold" panose="02020603020101020101" pitchFamily="18" charset="-127"/>
                         </a:rPr>
-                        <a:t>텔레그램으로</a:t>
+                        <a:t>텔레그램</a:t>
                       </a:r>
                       <a:r>
                         <a:rPr lang="ko-KR" altLang="en-US" sz="1600" dirty="0">
                           <a:latin typeface="12롯데마트행복Bold" panose="02020603020101020101" pitchFamily="18" charset="-127"/>
                           <a:ea typeface="12롯데마트행복Bold" panose="02020603020101020101" pitchFamily="18" charset="-127"/>
                         </a:rPr>
-                        <a:t> 보내기</a:t>
+                        <a:t> 서비스</a:t>
                       </a:r>
-                      <a:r>
-                        <a:rPr lang="en-US" altLang="ko-KR" sz="1600" dirty="0">
-                          <a:latin typeface="12롯데마트행복Bold" panose="02020603020101020101" pitchFamily="18" charset="-127"/>
-                          <a:ea typeface="12롯데마트행복Bold" panose="02020603020101020101" pitchFamily="18" charset="-127"/>
-                        </a:rPr>
-                        <a:t>?</a:t>
-                      </a:r>
-                      <a:endParaRPr lang="ko-KR" altLang="en-US" sz="1600" dirty="0">
-                        <a:latin typeface="12롯데마트행복Bold" panose="02020603020101020101" pitchFamily="18" charset="-127"/>
-                        <a:ea typeface="12롯데마트행복Bold" panose="02020603020101020101" pitchFamily="18" charset="-127"/>
-                      </a:endParaRPr>
                     </a:p>
                   </a:txBody>
                   <a:tcPr/>
@@ -9537,6 +9572,18 @@
     <a:masterClrMapping/>
   </p:clrMapOvr>
 </p:sld>
+</file>
+
+<file path=ppt/tags/tag1.xml><?xml version="1.0" encoding="utf-8"?>
+<p:tagLst xmlns:a="http://schemas.openxmlformats.org/drawingml/2006/main" xmlns:r="http://schemas.openxmlformats.org/officeDocument/2006/relationships" xmlns:p="http://schemas.openxmlformats.org/presentationml/2006/main">
+  <p:tag name="TIMING" val="|2.8|1.1|0.7|1.7|1.1|0.7|1.4|1.1|0.7|1.3|0.9|0.7|1.3|0.9|0.7"/>
+</p:tagLst>
+</file>
+
+<file path=ppt/tags/tag2.xml><?xml version="1.0" encoding="utf-8"?>
+<p:tagLst xmlns:a="http://schemas.openxmlformats.org/drawingml/2006/main" xmlns:r="http://schemas.openxmlformats.org/officeDocument/2006/relationships" xmlns:p="http://schemas.openxmlformats.org/presentationml/2006/main">
+  <p:tag name="TIMING" val="|2.3|6.1|5|3.5|5.1|10.7|6.4|7.4|11.5"/>
+</p:tagLst>
 </file>
 
 <file path=ppt/theme/theme1.xml><?xml version="1.0" encoding="utf-8"?>
